--- a/.lessons (az)/26 Требования/3 Задание.pptx
+++ b/.lessons (az)/26 Требования/3 Задание.pptx
@@ -6204,7 +6204,7 @@
         </p:nvSpPr>
         <p:spPr>
           <a:xfrm>
-            <a:off x="103761" y="474345"/>
+            <a:off x="103761" y="211698"/>
             <a:ext cx="11984477" cy="5047536"/>
           </a:xfrm>
           <a:prstGeom prst="rect">
